--- a/修論/本文0105/figure/fig_2_3_GS_setup.pptx
+++ b/修論/本文0105/figure/fig_2_3_GS_setup.pptx
@@ -197,7 +197,7 @@
           <a:p>
             <a:fld id="{89EB5C82-AEC6-4FE6-8043-B4F61A8A44F1}" type="datetimeFigureOut">
               <a:rPr kumimoji="1" lang="ja-JP" altLang="en-US" smtClean="0"/>
-              <a:t>2018/12/20</a:t>
+              <a:t>2019/1/10</a:t>
             </a:fld>
             <a:endParaRPr kumimoji="1" lang="ja-JP" altLang="en-US"/>
           </a:p>
@@ -625,7 +625,7 @@
           <a:p>
             <a:fld id="{1A07417B-165A-4DCF-9553-23C07ABDE8BF}" type="datetime1">
               <a:rPr kumimoji="1" lang="ja-JP" altLang="en-US" smtClean="0"/>
-              <a:t>2018/12/20</a:t>
+              <a:t>2019/1/10</a:t>
             </a:fld>
             <a:endParaRPr kumimoji="1" lang="ja-JP" altLang="en-US"/>
           </a:p>
@@ -825,7 +825,7 @@
           <a:p>
             <a:fld id="{5F49FB31-C5C7-4B82-9E07-4EEBA70644B5}" type="datetime1">
               <a:rPr kumimoji="1" lang="ja-JP" altLang="en-US" smtClean="0"/>
-              <a:t>2018/12/20</a:t>
+              <a:t>2019/1/10</a:t>
             </a:fld>
             <a:endParaRPr kumimoji="1" lang="ja-JP" altLang="en-US"/>
           </a:p>
@@ -1035,7 +1035,7 @@
           <a:p>
             <a:fld id="{8889D364-F9EE-4DF6-A2F2-A4C419A4C37F}" type="datetime1">
               <a:rPr kumimoji="1" lang="ja-JP" altLang="en-US" smtClean="0"/>
-              <a:t>2018/12/20</a:t>
+              <a:t>2019/1/10</a:t>
             </a:fld>
             <a:endParaRPr kumimoji="1" lang="ja-JP" altLang="en-US"/>
           </a:p>
@@ -1245,7 +1245,7 @@
           <a:p>
             <a:fld id="{A1231B2E-EC4D-405E-BD66-51B1FB74ADC5}" type="datetime1">
               <a:rPr kumimoji="1" lang="ja-JP" altLang="en-US" smtClean="0"/>
-              <a:t>2018/12/20</a:t>
+              <a:t>2019/1/10</a:t>
             </a:fld>
             <a:endParaRPr kumimoji="1" lang="ja-JP" altLang="en-US"/>
           </a:p>
@@ -1490,7 +1490,7 @@
           <a:p>
             <a:fld id="{2C8BC571-661A-4B57-BB04-1AEC8E64FC37}" type="datetime1">
               <a:rPr kumimoji="1" lang="ja-JP" altLang="en-US" smtClean="0"/>
-              <a:t>2018/12/20</a:t>
+              <a:t>2019/1/10</a:t>
             </a:fld>
             <a:endParaRPr kumimoji="1" lang="ja-JP" altLang="en-US"/>
           </a:p>
@@ -1784,7 +1784,7 @@
           <a:p>
             <a:fld id="{284E353B-4A11-4114-BE3E-7E98B266C08A}" type="datetime1">
               <a:rPr kumimoji="1" lang="ja-JP" altLang="en-US" smtClean="0"/>
-              <a:t>2018/12/20</a:t>
+              <a:t>2019/1/10</a:t>
             </a:fld>
             <a:endParaRPr kumimoji="1" lang="ja-JP" altLang="en-US"/>
           </a:p>
@@ -2212,7 +2212,7 @@
           <a:p>
             <a:fld id="{808964D2-E5C1-41F8-8E37-7B0EBA472178}" type="datetime1">
               <a:rPr kumimoji="1" lang="ja-JP" altLang="en-US" smtClean="0"/>
-              <a:t>2018/12/20</a:t>
+              <a:t>2019/1/10</a:t>
             </a:fld>
             <a:endParaRPr kumimoji="1" lang="ja-JP" altLang="en-US"/>
           </a:p>
@@ -2329,7 +2329,7 @@
           <a:p>
             <a:fld id="{4B875656-4F4D-4F02-97D2-FC9F0E4F8368}" type="datetime1">
               <a:rPr kumimoji="1" lang="ja-JP" altLang="en-US" smtClean="0"/>
-              <a:t>2018/12/20</a:t>
+              <a:t>2019/1/10</a:t>
             </a:fld>
             <a:endParaRPr kumimoji="1" lang="ja-JP" altLang="en-US"/>
           </a:p>
@@ -2424,7 +2424,7 @@
           <a:p>
             <a:fld id="{70D4612A-A498-4280-8EC8-C137A91BA00E}" type="datetime1">
               <a:rPr kumimoji="1" lang="ja-JP" altLang="en-US" smtClean="0"/>
-              <a:t>2018/12/20</a:t>
+              <a:t>2019/1/10</a:t>
             </a:fld>
             <a:endParaRPr kumimoji="1" lang="ja-JP" altLang="en-US"/>
           </a:p>
@@ -2731,7 +2731,7 @@
           <a:p>
             <a:fld id="{7E544A3A-F8B4-46B6-A7F4-BA104F47089F}" type="datetime1">
               <a:rPr kumimoji="1" lang="ja-JP" altLang="en-US" smtClean="0"/>
-              <a:t>2018/12/20</a:t>
+              <a:t>2019/1/10</a:t>
             </a:fld>
             <a:endParaRPr kumimoji="1" lang="ja-JP" altLang="en-US"/>
           </a:p>
@@ -2986,7 +2986,7 @@
           <a:p>
             <a:fld id="{5C61A693-3EB2-40E5-944F-A15C15D15CE8}" type="datetime1">
               <a:rPr kumimoji="1" lang="ja-JP" altLang="en-US" smtClean="0"/>
-              <a:t>2018/12/20</a:t>
+              <a:t>2019/1/10</a:t>
             </a:fld>
             <a:endParaRPr kumimoji="1" lang="ja-JP" altLang="en-US"/>
           </a:p>
@@ -3229,7 +3229,7 @@
           <a:p>
             <a:fld id="{54F798B4-40B9-4467-83D0-F475F97608DD}" type="datetime1">
               <a:rPr kumimoji="1" lang="ja-JP" altLang="en-US" smtClean="0"/>
-              <a:t>2018/12/20</a:t>
+              <a:t>2019/1/10</a:t>
             </a:fld>
             <a:endParaRPr kumimoji="1" lang="ja-JP" altLang="en-US"/>
           </a:p>
@@ -3944,8 +3944,8 @@
         </p:nvSpPr>
         <p:spPr>
           <a:xfrm>
-            <a:off x="1571072" y="2340349"/>
-            <a:ext cx="1512168" cy="553998"/>
+            <a:off x="1571071" y="2340349"/>
+            <a:ext cx="1784569" cy="553998"/>
           </a:xfrm>
           <a:prstGeom prst="rect">
             <a:avLst/>
@@ -3977,7 +3977,7 @@
             </a:r>
             <a:r>
               <a:rPr lang="en-US" altLang="ja-JP" sz="1000" dirty="0"/>
-              <a:t>:1.5MHz~3.35GHz</a:t>
+              <a:t>:1.5 MHz~3.35 GHz</a:t>
             </a:r>
             <a:endParaRPr kumimoji="1" lang="ja-JP" altLang="en-US" sz="1000" dirty="0"/>
           </a:p>
@@ -3997,8 +3997,8 @@
         </p:nvSpPr>
         <p:spPr>
           <a:xfrm>
-            <a:off x="3846700" y="2383028"/>
-            <a:ext cx="864096" cy="400110"/>
+            <a:off x="3764573" y="2380986"/>
+            <a:ext cx="1176847" cy="553998"/>
           </a:xfrm>
           <a:prstGeom prst="rect">
             <a:avLst/>
@@ -4018,10 +4018,24 @@
           </a:p>
           <a:p>
             <a:r>
-              <a:rPr kumimoji="1" lang="en-US" altLang="ja-JP" sz="1000" dirty="0"/>
-              <a:t>6dB</a:t>
-            </a:r>
-            <a:endParaRPr kumimoji="1" lang="ja-JP" altLang="en-US" sz="1000" dirty="0"/>
+              <a:rPr lang="en-US" altLang="ja-JP" sz="1000" dirty="0"/>
+              <a:t>6 dB</a:t>
+            </a:r>
+            <a:endParaRPr lang="ja-JP" altLang="en-US" sz="1000" dirty="0"/>
+          </a:p>
+          <a:p>
+            <a:r>
+              <a:rPr lang="en-US" altLang="ja-JP" sz="1000" dirty="0"/>
+              <a:t>(</a:t>
+            </a:r>
+            <a:r>
+              <a:rPr lang="ja-JP" altLang="en-US" sz="1000" dirty="0"/>
+              <a:t>可変抵抗減衰器</a:t>
+            </a:r>
+            <a:r>
+              <a:rPr lang="en-US" altLang="ja-JP" sz="1000" dirty="0"/>
+              <a:t>)</a:t>
+            </a:r>
           </a:p>
         </p:txBody>
       </p:sp>
@@ -4257,7 +4271,7 @@
             </a:r>
             <a:r>
               <a:rPr kumimoji="1" lang="en-US" altLang="ja-JP" sz="1000" dirty="0"/>
-              <a:t>:10MHz~1GHz</a:t>
+              <a:t>:10 MHz~1 GHz</a:t>
             </a:r>
             <a:endParaRPr kumimoji="1" lang="ja-JP" altLang="en-US" sz="1000" dirty="0"/>
           </a:p>
@@ -4516,7 +4530,7 @@
             </a:r>
             <a:r>
               <a:rPr lang="en-US" altLang="ja-JP" sz="1100" dirty="0"/>
-              <a:t>1ns</a:t>
+              <a:t>1 ns</a:t>
             </a:r>
             <a:endParaRPr kumimoji="1" lang="en-US" altLang="ja-JP" sz="1100" dirty="0"/>
           </a:p>
@@ -4535,7 +4549,7 @@
             </a:r>
             <a:r>
               <a:rPr kumimoji="1" lang="en-US" altLang="ja-JP" sz="1100" dirty="0"/>
-              <a:t>: 1MHz </a:t>
+              <a:t>: 1 MHz </a:t>
             </a:r>
             <a:endParaRPr kumimoji="1" lang="ja-JP" altLang="en-US" sz="1100" dirty="0"/>
           </a:p>
@@ -4675,13 +4689,12 @@
                 <a:effectLst/>
                 <a:uLnTx/>
                 <a:uFillTx/>
-                <a:latin typeface="游ゴシック" panose="020F0502020204030204"/>
-                <a:ea typeface="游ゴシック" panose="020B0400000000000000" pitchFamily="50" charset="-128"/>
+                <a:latin typeface="+mn-ea"/>
                 <a:cs typeface="+mn-cs"/>
               </a:rPr>
               <a:t>PD</a:t>
             </a:r>
-            <a:endParaRPr kumimoji="0" lang="ja-JP" altLang="en-US" sz="1800" b="0" i="0" u="none" strike="noStrike" kern="0" cap="none" spc="0" normalizeH="0" baseline="0" noProof="0">
+            <a:endParaRPr kumimoji="0" lang="ja-JP" altLang="en-US" sz="1800" b="0" i="0" u="none" strike="noStrike" kern="0" cap="none" spc="0" normalizeH="0" baseline="0" noProof="0" dirty="0">
               <a:ln>
                 <a:noFill/>
               </a:ln>
@@ -4691,8 +4704,7 @@
               <a:effectLst/>
               <a:uLnTx/>
               <a:uFillTx/>
-              <a:latin typeface="游ゴシック" panose="020F0502020204030204"/>
-              <a:ea typeface="游ゴシック" panose="020B0400000000000000" pitchFamily="50" charset="-128"/>
+              <a:latin typeface="+mn-ea"/>
               <a:cs typeface="+mn-cs"/>
             </a:endParaRPr>
           </a:p>
@@ -4785,7 +4797,7 @@
               <a:defRPr/>
             </a:pPr>
             <a:r>
-              <a:rPr kumimoji="0" lang="ja-JP" altLang="en-US" sz="1800" b="0" i="0" u="none" strike="noStrike" kern="0" cap="none" spc="0" normalizeH="0" baseline="0" noProof="0">
+              <a:rPr kumimoji="0" lang="ja-JP" altLang="en-US" sz="1800" b="0" i="0" u="none" strike="noStrike" kern="0" cap="none" spc="0" normalizeH="0" baseline="0" noProof="0" dirty="0">
                 <a:ln>
                   <a:noFill/>
                 </a:ln>
@@ -4795,8 +4807,7 @@
                 <a:effectLst/>
                 <a:uLnTx/>
                 <a:uFillTx/>
-                <a:latin typeface="游ゴシック" panose="020F0502020204030204"/>
-                <a:ea typeface="游ゴシック" panose="020B0400000000000000" pitchFamily="50" charset="-128"/>
+                <a:latin typeface="+mn-ea"/>
                 <a:cs typeface="+mn-cs"/>
               </a:rPr>
               <a:t>高速オシロ</a:t>
@@ -4811,8 +4822,7 @@
               <a:effectLst/>
               <a:uLnTx/>
               <a:uFillTx/>
-              <a:latin typeface="游ゴシック" panose="020F0502020204030204"/>
-              <a:ea typeface="游ゴシック" panose="020B0400000000000000" pitchFamily="50" charset="-128"/>
+              <a:latin typeface="+mn-ea"/>
               <a:cs typeface="+mn-cs"/>
             </a:endParaRPr>
           </a:p>
@@ -4832,8 +4842,8 @@
         </p:nvSpPr>
         <p:spPr>
           <a:xfrm>
-            <a:off x="6224351" y="4731075"/>
-            <a:ext cx="864096" cy="553998"/>
+            <a:off x="6224350" y="4731075"/>
+            <a:ext cx="1144249" cy="400110"/>
           </a:xfrm>
           <a:prstGeom prst="rect">
             <a:avLst/>
@@ -4851,8 +4861,8 @@
                 <a:solidFill>
                   <a:prstClr val="black"/>
                 </a:solidFill>
-                <a:latin typeface="游ゴシック" panose="020F0502020204030204"/>
-                <a:ea typeface="游ゴシック" panose="020B0400000000000000" pitchFamily="50" charset="-128"/>
+                <a:latin typeface="Arial" panose="020B0604020202020204" pitchFamily="34" charset="0"/>
+                <a:cs typeface="Arial" panose="020B0604020202020204" pitchFamily="34" charset="0"/>
               </a:rPr>
               <a:t>PD</a:t>
             </a:r>
@@ -4863,40 +4873,21 @@
                 <a:solidFill>
                   <a:prstClr val="black"/>
                 </a:solidFill>
-                <a:latin typeface="游ゴシック" panose="020F0502020204030204"/>
-                <a:ea typeface="游ゴシック" panose="020B0400000000000000" pitchFamily="50" charset="-128"/>
+                <a:latin typeface="Arial" panose="020B0604020202020204" pitchFamily="34" charset="0"/>
+                <a:cs typeface="Arial" panose="020B0604020202020204" pitchFamily="34" charset="0"/>
               </a:rPr>
-              <a:t>帯域</a:t>
+              <a:t>帯域 </a:t>
             </a:r>
             <a:r>
               <a:rPr lang="en-US" altLang="ja-JP" sz="1000" dirty="0">
                 <a:solidFill>
                   <a:prstClr val="black"/>
                 </a:solidFill>
-                <a:latin typeface="游ゴシック" panose="020F0502020204030204"/>
-                <a:ea typeface="游ゴシック" panose="020B0400000000000000" pitchFamily="50" charset="-128"/>
+                <a:latin typeface="Arial" panose="020B0604020202020204" pitchFamily="34" charset="0"/>
+                <a:cs typeface="Arial" panose="020B0604020202020204" pitchFamily="34" charset="0"/>
               </a:rPr>
-              <a:t>:25GHz</a:t>
-            </a:r>
-          </a:p>
-          <a:p>
-            <a:r>
-              <a:rPr lang="en-US" altLang="ja-JP" sz="1000" dirty="0">
-                <a:solidFill>
-                  <a:prstClr val="black"/>
-                </a:solidFill>
-                <a:latin typeface="游ゴシック" panose="020F0502020204030204"/>
-                <a:ea typeface="游ゴシック" panose="020B0400000000000000" pitchFamily="50" charset="-128"/>
-              </a:rPr>
-              <a:t>(40ns)</a:t>
-            </a:r>
-            <a:endParaRPr lang="ja-JP" altLang="en-US" sz="1000" dirty="0">
-              <a:solidFill>
-                <a:prstClr val="black"/>
-              </a:solidFill>
-              <a:latin typeface="游ゴシック" panose="020F0502020204030204"/>
-              <a:ea typeface="游ゴシック" panose="020B0400000000000000" pitchFamily="50" charset="-128"/>
-            </a:endParaRPr>
+              <a:t>: 25 GHz</a:t>
+            </a:r>
           </a:p>
         </p:txBody>
       </p:sp>
@@ -4933,20 +4924,20 @@
                 <a:solidFill>
                   <a:prstClr val="black"/>
                 </a:solidFill>
-                <a:latin typeface="游ゴシック" panose="020F0502020204030204"/>
-                <a:ea typeface="游ゴシック" panose="020B0400000000000000" pitchFamily="50" charset="-128"/>
+                <a:latin typeface="Arial" panose="020B0604020202020204" pitchFamily="34" charset="0"/>
+                <a:cs typeface="Arial" panose="020B0604020202020204" pitchFamily="34" charset="0"/>
               </a:rPr>
               <a:t>86100D</a:t>
             </a:r>
           </a:p>
           <a:p>
             <a:r>
-              <a:rPr lang="ja-JP" altLang="en-US" sz="1000">
+              <a:rPr lang="ja-JP" altLang="en-US" sz="1000" dirty="0">
                 <a:solidFill>
                   <a:prstClr val="black"/>
                 </a:solidFill>
-                <a:latin typeface="游ゴシック" panose="020F0502020204030204"/>
-                <a:ea typeface="游ゴシック" panose="020B0400000000000000" pitchFamily="50" charset="-128"/>
+                <a:latin typeface="Arial" panose="020B0604020202020204" pitchFamily="34" charset="0"/>
+                <a:cs typeface="Arial" panose="020B0604020202020204" pitchFamily="34" charset="0"/>
               </a:rPr>
               <a:t>帯域</a:t>
             </a:r>
@@ -4955,10 +4946,10 @@
                 <a:solidFill>
                   <a:prstClr val="black"/>
                 </a:solidFill>
-                <a:latin typeface="游ゴシック" panose="020F0502020204030204"/>
-                <a:ea typeface="游ゴシック" panose="020B0400000000000000" pitchFamily="50" charset="-128"/>
+                <a:latin typeface="Arial" panose="020B0604020202020204" pitchFamily="34" charset="0"/>
+                <a:cs typeface="Arial" panose="020B0604020202020204" pitchFamily="34" charset="0"/>
               </a:rPr>
-              <a:t>: 90GHz</a:t>
+              <a:t>: 90 GHz</a:t>
             </a:r>
           </a:p>
         </p:txBody>
@@ -5280,7 +5271,6 @@
                 <a:solidFill>
                   <a:prstClr val="black"/>
                 </a:solidFill>
-                <a:latin typeface="游ゴシック" panose="020F0502020204030204"/>
                 <a:ea typeface="游ゴシック" panose="020B0400000000000000" pitchFamily="50" charset="-128"/>
               </a:rPr>
               <a:t>Single mode fiber</a:t>
@@ -5303,7 +5293,7 @@
         <p:spPr>
           <a:xfrm>
             <a:off x="2452727" y="4701797"/>
-            <a:ext cx="785793" cy="276999"/>
+            <a:ext cx="684803" cy="246221"/>
           </a:xfrm>
           <a:prstGeom prst="rect">
             <a:avLst/>
@@ -5316,14 +5306,14 @@
           <a:lstStyle/>
           <a:p>
             <a:r>
-              <a:rPr lang="en-US" altLang="ja-JP" sz="1200" dirty="0">
+              <a:rPr lang="en-US" altLang="ja-JP" sz="1000" dirty="0">
                 <a:latin typeface="Arial" panose="020B0604020202020204" pitchFamily="34" charset="0"/>
                 <a:ea typeface="ＭＳ ゴシック" panose="020B0609070205080204" pitchFamily="49" charset="-128"/>
                 <a:cs typeface="Arial" panose="020B0604020202020204" pitchFamily="34" charset="0"/>
               </a:rPr>
               <a:t>NA=0.68</a:t>
             </a:r>
-            <a:endParaRPr lang="ja-JP" altLang="en-US" sz="1200" dirty="0">
+            <a:endParaRPr lang="ja-JP" altLang="en-US" sz="1000" dirty="0">
               <a:latin typeface="Arial" panose="020B0604020202020204" pitchFamily="34" charset="0"/>
               <a:ea typeface="ＭＳ ゴシック" panose="020B0609070205080204" pitchFamily="49" charset="-128"/>
               <a:cs typeface="Arial" panose="020B0604020202020204" pitchFamily="34" charset="0"/>
@@ -5346,7 +5336,7 @@
         <p:spPr>
           <a:xfrm>
             <a:off x="3580784" y="4917724"/>
-            <a:ext cx="1337872" cy="646331"/>
+            <a:ext cx="1337872" cy="553998"/>
           </a:xfrm>
           <a:prstGeom prst="rect">
             <a:avLst/>
@@ -5359,14 +5349,14 @@
           <a:lstStyle/>
           <a:p>
             <a:r>
-              <a:rPr lang="ja-JP" altLang="en-US" sz="1200" dirty="0">
+              <a:rPr lang="ja-JP" altLang="en-US" sz="1000" dirty="0">
                 <a:latin typeface="Arial" panose="020B0604020202020204" pitchFamily="34" charset="0"/>
                 <a:ea typeface="ＭＳ ゴシック" panose="020B0609070205080204" pitchFamily="49" charset="-128"/>
                 <a:cs typeface="Arial" panose="020B0604020202020204" pitchFamily="34" charset="0"/>
               </a:rPr>
               <a:t>非球面レンズ</a:t>
             </a:r>
-            <a:endParaRPr lang="en-US" altLang="ja-JP" sz="1200" dirty="0">
+            <a:endParaRPr lang="en-US" altLang="ja-JP" sz="1000" dirty="0">
               <a:latin typeface="Arial" panose="020B0604020202020204" pitchFamily="34" charset="0"/>
               <a:ea typeface="ＭＳ ゴシック" panose="020B0609070205080204" pitchFamily="49" charset="-128"/>
               <a:cs typeface="Arial" panose="020B0604020202020204" pitchFamily="34" charset="0"/>
@@ -5374,7 +5364,7 @@
           </a:p>
           <a:p>
             <a:r>
-              <a:rPr lang="en-US" altLang="ja-JP" sz="1200" dirty="0">
+              <a:rPr lang="en-US" altLang="ja-JP" sz="1000" dirty="0">
                 <a:latin typeface="Arial" panose="020B0604020202020204" pitchFamily="34" charset="0"/>
                 <a:ea typeface="ＭＳ ゴシック" panose="020B0609070205080204" pitchFamily="49" charset="-128"/>
                 <a:cs typeface="Arial" panose="020B0604020202020204" pitchFamily="34" charset="0"/>
@@ -5384,14 +5374,14 @@
           </a:p>
           <a:p>
             <a:r>
-              <a:rPr lang="en-US" altLang="ja-JP" sz="1200" dirty="0">
+              <a:rPr lang="en-US" altLang="ja-JP" sz="1000" dirty="0">
                 <a:latin typeface="Arial" panose="020B0604020202020204" pitchFamily="34" charset="0"/>
                 <a:ea typeface="ＭＳ ゴシック" panose="020B0609070205080204" pitchFamily="49" charset="-128"/>
                 <a:cs typeface="Arial" panose="020B0604020202020204" pitchFamily="34" charset="0"/>
               </a:rPr>
               <a:t>NA=0.18</a:t>
             </a:r>
-            <a:endParaRPr lang="ja-JP" altLang="en-US" sz="1200" dirty="0">
+            <a:endParaRPr lang="ja-JP" altLang="en-US" sz="1000" dirty="0">
               <a:latin typeface="Arial" panose="020B0604020202020204" pitchFamily="34" charset="0"/>
               <a:ea typeface="ＭＳ ゴシック" panose="020B0609070205080204" pitchFamily="49" charset="-128"/>
               <a:cs typeface="Arial" panose="020B0604020202020204" pitchFamily="34" charset="0"/>
@@ -5413,8 +5403,8 @@
         </p:nvSpPr>
         <p:spPr>
           <a:xfrm>
-            <a:off x="4918656" y="4505349"/>
-            <a:ext cx="1173719" cy="276999"/>
+            <a:off x="4932392" y="4521268"/>
+            <a:ext cx="1007007" cy="246221"/>
           </a:xfrm>
           <a:prstGeom prst="rect">
             <a:avLst/>
@@ -5427,7 +5417,7 @@
           <a:lstStyle/>
           <a:p>
             <a:r>
-              <a:rPr lang="en-US" altLang="ja-JP" sz="1200" dirty="0">
+              <a:rPr lang="en-US" altLang="ja-JP" sz="1000" dirty="0">
                 <a:latin typeface="Arial" panose="020B0604020202020204" pitchFamily="34" charset="0"/>
                 <a:ea typeface="ＭＳ ゴシック" panose="020B0609070205080204" pitchFamily="49" charset="-128"/>
                 <a:cs typeface="Arial" panose="020B0604020202020204" pitchFamily="34" charset="0"/>
@@ -6131,6 +6121,42 @@
               <a:rPr kumimoji="1" lang="ja-JP" altLang="en-US" dirty="0"/>
               <a:t>同軸ケーブル</a:t>
             </a:r>
+          </a:p>
+        </p:txBody>
+      </p:sp>
+      <p:sp>
+        <p:nvSpPr>
+          <p:cNvPr id="2" name="テキスト ボックス 1">
+            <a:extLst>
+              <a:ext uri="{FF2B5EF4-FFF2-40B4-BE49-F238E27FC236}">
+                <a16:creationId xmlns:a16="http://schemas.microsoft.com/office/drawing/2014/main" id="{788BA8D1-3A40-423D-B5F4-8275CB68B715}"/>
+              </a:ext>
+            </a:extLst>
+          </p:cNvPr>
+          <p:cNvSpPr txBox="1"/>
+          <p:nvPr/>
+        </p:nvSpPr>
+        <p:spPr>
+          <a:xfrm>
+            <a:off x="1241148" y="4732575"/>
+            <a:ext cx="785793" cy="246221"/>
+          </a:xfrm>
+          <a:prstGeom prst="rect">
+            <a:avLst/>
+          </a:prstGeom>
+          <a:noFill/>
+        </p:spPr>
+        <p:txBody>
+          <a:bodyPr wrap="square" rtlCol="0">
+            <a:spAutoFit/>
+          </a:bodyPr>
+          <a:lstStyle/>
+          <a:p>
+            <a:r>
+              <a:rPr lang="ja-JP" altLang="en-US" sz="1000" dirty="0"/>
+              <a:t>試料</a:t>
+            </a:r>
+            <a:endParaRPr kumimoji="1" lang="ja-JP" altLang="en-US" sz="1000" dirty="0"/>
           </a:p>
         </p:txBody>
       </p:sp>
